--- a/Reports/Final Slides.pptx
+++ b/Reports/Final Slides.pptx
@@ -120,6 +120,11 @@
       </a:defRPr>
     </a:lvl9pPr>
   </p:defaultTextStyle>
+  <p:extLst>
+    <p:ext uri="{EFAFB233-063F-42B5-8137-9DF3F51BA10A}">
+      <p15:sldGuideLst xmlns:p15="http://schemas.microsoft.com/office/powerpoint/2012/main"/>
+    </p:ext>
+  </p:extLst>
 </p:presentation>
 </file>
 
@@ -279,6 +284,11 @@
                 </a:outerShdw>
               </a:effectLst>
             </c:spPr>
+            <c:extLst>
+              <c:ext xmlns:c16="http://schemas.microsoft.com/office/drawing/2014/chart" uri="{C3380CC4-5D6E-409C-BE32-E72D297353CC}">
+                <c16:uniqueId val="{00000001-009C-4DD7-9854-358FF36E6346}"/>
+              </c:ext>
+            </c:extLst>
           </c:dPt>
           <c:dPt>
             <c:idx val="1"/>
@@ -321,6 +331,11 @@
                 </a:outerShdw>
               </a:effectLst>
             </c:spPr>
+            <c:extLst>
+              <c:ext xmlns:c16="http://schemas.microsoft.com/office/drawing/2014/chart" uri="{C3380CC4-5D6E-409C-BE32-E72D297353CC}">
+                <c16:uniqueId val="{00000003-009C-4DD7-9854-358FF36E6346}"/>
+              </c:ext>
+            </c:extLst>
           </c:dPt>
           <c:dPt>
             <c:idx val="2"/>
@@ -363,6 +378,11 @@
                 </a:outerShdw>
               </a:effectLst>
             </c:spPr>
+            <c:extLst>
+              <c:ext xmlns:c16="http://schemas.microsoft.com/office/drawing/2014/chart" uri="{C3380CC4-5D6E-409C-BE32-E72D297353CC}">
+                <c16:uniqueId val="{00000005-009C-4DD7-9854-358FF36E6346}"/>
+              </c:ext>
+            </c:extLst>
           </c:dPt>
           <c:dPt>
             <c:idx val="3"/>
@@ -405,6 +425,11 @@
                 </a:outerShdw>
               </a:effectLst>
             </c:spPr>
+            <c:extLst>
+              <c:ext xmlns:c16="http://schemas.microsoft.com/office/drawing/2014/chart" uri="{C3380CC4-5D6E-409C-BE32-E72D297353CC}">
+                <c16:uniqueId val="{00000007-009C-4DD7-9854-358FF36E6346}"/>
+              </c:ext>
+            </c:extLst>
           </c:dPt>
           <c:dPt>
             <c:idx val="4"/>
@@ -447,6 +472,11 @@
                 </a:outerShdw>
               </a:effectLst>
             </c:spPr>
+            <c:extLst>
+              <c:ext xmlns:c16="http://schemas.microsoft.com/office/drawing/2014/chart" uri="{C3380CC4-5D6E-409C-BE32-E72D297353CC}">
+                <c16:uniqueId val="{00000009-009C-4DD7-9854-358FF36E6346}"/>
+              </c:ext>
+            </c:extLst>
           </c:dPt>
           <c:dLbls>
             <c:spPr>
@@ -1325,7 +1355,7 @@
           <a:p>
             <a:fld id="{DAC7D5BB-F44C-487A-B539-21A7C538663F}" type="datetimeFigureOut">
               <a:rPr lang="en-US" smtClean="0"/>
-              <a:t>10/24/2022</a:t>
+              <a:t>5/18/2023</a:t>
             </a:fld>
             <a:endParaRPr lang="en-US"/>
           </a:p>
@@ -1495,7 +1525,7 @@
           <a:p>
             <a:fld id="{DAC7D5BB-F44C-487A-B539-21A7C538663F}" type="datetimeFigureOut">
               <a:rPr lang="en-US" smtClean="0"/>
-              <a:t>10/24/2022</a:t>
+              <a:t>5/18/2023</a:t>
             </a:fld>
             <a:endParaRPr lang="en-US"/>
           </a:p>
@@ -1675,7 +1705,7 @@
           <a:p>
             <a:fld id="{DAC7D5BB-F44C-487A-B539-21A7C538663F}" type="datetimeFigureOut">
               <a:rPr lang="en-US" smtClean="0"/>
-              <a:t>10/24/2022</a:t>
+              <a:t>5/18/2023</a:t>
             </a:fld>
             <a:endParaRPr lang="en-US"/>
           </a:p>
@@ -1845,7 +1875,7 @@
           <a:p>
             <a:fld id="{DAC7D5BB-F44C-487A-B539-21A7C538663F}" type="datetimeFigureOut">
               <a:rPr lang="en-US" smtClean="0"/>
-              <a:t>10/24/2022</a:t>
+              <a:t>5/18/2023</a:t>
             </a:fld>
             <a:endParaRPr lang="en-US"/>
           </a:p>
@@ -2091,7 +2121,7 @@
           <a:p>
             <a:fld id="{DAC7D5BB-F44C-487A-B539-21A7C538663F}" type="datetimeFigureOut">
               <a:rPr lang="en-US" smtClean="0"/>
-              <a:t>10/24/2022</a:t>
+              <a:t>5/18/2023</a:t>
             </a:fld>
             <a:endParaRPr lang="en-US"/>
           </a:p>
@@ -2323,7 +2353,7 @@
           <a:p>
             <a:fld id="{DAC7D5BB-F44C-487A-B539-21A7C538663F}" type="datetimeFigureOut">
               <a:rPr lang="en-US" smtClean="0"/>
-              <a:t>10/24/2022</a:t>
+              <a:t>5/18/2023</a:t>
             </a:fld>
             <a:endParaRPr lang="en-US"/>
           </a:p>
@@ -2690,7 +2720,7 @@
           <a:p>
             <a:fld id="{DAC7D5BB-F44C-487A-B539-21A7C538663F}" type="datetimeFigureOut">
               <a:rPr lang="en-US" smtClean="0"/>
-              <a:t>10/24/2022</a:t>
+              <a:t>5/18/2023</a:t>
             </a:fld>
             <a:endParaRPr lang="en-US"/>
           </a:p>
@@ -2808,7 +2838,7 @@
           <a:p>
             <a:fld id="{DAC7D5BB-F44C-487A-B539-21A7C538663F}" type="datetimeFigureOut">
               <a:rPr lang="en-US" smtClean="0"/>
-              <a:t>10/24/2022</a:t>
+              <a:t>5/18/2023</a:t>
             </a:fld>
             <a:endParaRPr lang="en-US"/>
           </a:p>
@@ -2903,7 +2933,7 @@
           <a:p>
             <a:fld id="{DAC7D5BB-F44C-487A-B539-21A7C538663F}" type="datetimeFigureOut">
               <a:rPr lang="en-US" smtClean="0"/>
-              <a:t>10/24/2022</a:t>
+              <a:t>5/18/2023</a:t>
             </a:fld>
             <a:endParaRPr lang="en-US"/>
           </a:p>
@@ -3180,7 +3210,7 @@
           <a:p>
             <a:fld id="{DAC7D5BB-F44C-487A-B539-21A7C538663F}" type="datetimeFigureOut">
               <a:rPr lang="en-US" smtClean="0"/>
-              <a:t>10/24/2022</a:t>
+              <a:t>5/18/2023</a:t>
             </a:fld>
             <a:endParaRPr lang="en-US"/>
           </a:p>
@@ -3437,7 +3467,7 @@
           <a:p>
             <a:fld id="{DAC7D5BB-F44C-487A-B539-21A7C538663F}" type="datetimeFigureOut">
               <a:rPr lang="en-US" smtClean="0"/>
-              <a:t>10/24/2022</a:t>
+              <a:t>5/18/2023</a:t>
             </a:fld>
             <a:endParaRPr lang="en-US"/>
           </a:p>
@@ -3650,7 +3680,7 @@
           <a:p>
             <a:fld id="{DAC7D5BB-F44C-487A-B539-21A7C538663F}" type="datetimeFigureOut">
               <a:rPr lang="en-US" smtClean="0"/>
-              <a:t>10/24/2022</a:t>
+              <a:t>5/18/2023</a:t>
             </a:fld>
             <a:endParaRPr lang="en-US"/>
           </a:p>
@@ -5001,7 +5031,7 @@
               <a:rPr lang="en-US" sz="4000" dirty="0">
                 <a:latin typeface="Garamond" panose="02020404030301010803" pitchFamily="18" charset="0"/>
               </a:rPr>
-              <a:t>'</a:t>
+              <a:t>‘</a:t>
             </a:r>
             <a:r>
               <a:rPr lang="en-US" sz="4000" dirty="0" err="1">
@@ -5013,7 +5043,7 @@
               <a:rPr lang="en-US" sz="4000" dirty="0">
                 <a:latin typeface="Garamond" panose="02020404030301010803" pitchFamily="18" charset="0"/>
               </a:rPr>
-              <a:t>': 425</a:t>
+              <a:t>’: 425</a:t>
             </a:r>
           </a:p>
           <a:p>
@@ -5021,39 +5051,7 @@
               <a:rPr lang="en-US" sz="4000" dirty="0">
                 <a:latin typeface="Garamond" panose="02020404030301010803" pitchFamily="18" charset="0"/>
               </a:rPr>
-              <a:t>'</a:t>
-            </a:r>
-            <a:r>
-              <a:rPr lang="en-US" sz="4000" dirty="0" err="1">
-                <a:latin typeface="Garamond" panose="02020404030301010803" pitchFamily="18" charset="0"/>
-              </a:rPr>
-              <a:t>max_features</a:t>
-            </a:r>
-            <a:r>
-              <a:rPr lang="en-US" sz="4000" dirty="0">
-                <a:latin typeface="Garamond" panose="02020404030301010803" pitchFamily="18" charset="0"/>
-              </a:rPr>
-              <a:t>': 'auto’</a:t>
-            </a:r>
-          </a:p>
-          <a:p>
-            <a:r>
-              <a:rPr lang="en-US" sz="4000" dirty="0">
-                <a:latin typeface="Garamond" panose="02020404030301010803" pitchFamily="18" charset="0"/>
-              </a:rPr>
-              <a:t>'criterion': '</a:t>
-            </a:r>
-            <a:r>
-              <a:rPr lang="en-US" sz="4000" dirty="0" err="1">
-                <a:latin typeface="Garamond" panose="02020404030301010803" pitchFamily="18" charset="0"/>
-              </a:rPr>
-              <a:t>gini</a:t>
-            </a:r>
-            <a:r>
-              <a:rPr lang="en-US" sz="4000" dirty="0">
-                <a:latin typeface="Garamond" panose="02020404030301010803" pitchFamily="18" charset="0"/>
-              </a:rPr>
-              <a:t>'</a:t>
+              <a:t>‘criterion’: ‘entropy’</a:t>
             </a:r>
           </a:p>
         </p:txBody>
@@ -5965,7 +5963,7 @@
               <a:rPr lang="en-US" sz="3600" dirty="0">
                 <a:latin typeface="Garamond" panose="02020404030301010803" pitchFamily="18" charset="0"/>
               </a:rPr>
-              <a:t>•	Accuracy: 0.89</a:t>
+              <a:t>•	Accuracy: 0.8</a:t>
             </a:r>
           </a:p>
           <a:p>
@@ -5976,7 +5974,7 @@
               <a:rPr lang="en-US" sz="3600" dirty="0">
                 <a:latin typeface="Garamond" panose="02020404030301010803" pitchFamily="18" charset="0"/>
               </a:rPr>
-              <a:t>•	Precision: 0.89</a:t>
+              <a:t>•	Precision: 0.72</a:t>
             </a:r>
           </a:p>
           <a:p>
@@ -5987,7 +5985,7 @@
               <a:rPr lang="en-US" sz="3600" dirty="0">
                 <a:latin typeface="Garamond" panose="02020404030301010803" pitchFamily="18" charset="0"/>
               </a:rPr>
-              <a:t>•	Recall: 0.89</a:t>
+              <a:t>•	Recall: 0.8</a:t>
             </a:r>
           </a:p>
           <a:p>
@@ -5998,7 +5996,7 @@
               <a:rPr lang="en-US" sz="3600" dirty="0">
                 <a:latin typeface="Garamond" panose="02020404030301010803" pitchFamily="18" charset="0"/>
               </a:rPr>
-              <a:t>•	F1-Score: 0.89</a:t>
+              <a:t>•	F1-Score: 0.74</a:t>
             </a:r>
           </a:p>
           <a:p>
@@ -6009,7 +6007,7 @@
               <a:rPr lang="en-US" sz="3600" dirty="0">
                 <a:latin typeface="Garamond" panose="02020404030301010803" pitchFamily="18" charset="0"/>
               </a:rPr>
-              <a:t>•	ROC-AUC score: 0.96</a:t>
+              <a:t>•	ROC-AUC score: 0.7</a:t>
             </a:r>
           </a:p>
         </p:txBody>
